--- a/Lecture2.pptx
+++ b/Lecture2.pptx
@@ -11,21 +11,27 @@
     <p:sldMasterId id="2147484903" r:id="rId7"/>
   </p:sldMasterIdLst>
   <p:notesMasterIdLst>
-    <p:notesMasterId r:id="rId12"/>
+    <p:notesMasterId r:id="rId18"/>
   </p:notesMasterIdLst>
   <p:handoutMasterIdLst>
-    <p:handoutMasterId r:id="rId13"/>
+    <p:handoutMasterId r:id="rId19"/>
   </p:handoutMasterIdLst>
   <p:sldIdLst>
     <p:sldId id="449" r:id="rId8"/>
     <p:sldId id="483" r:id="rId9"/>
     <p:sldId id="486" r:id="rId10"/>
     <p:sldId id="484" r:id="rId11"/>
+    <p:sldId id="487" r:id="rId12"/>
+    <p:sldId id="488" r:id="rId13"/>
+    <p:sldId id="489" r:id="rId14"/>
+    <p:sldId id="490" r:id="rId15"/>
+    <p:sldId id="491" r:id="rId16"/>
+    <p:sldId id="492" r:id="rId17"/>
   </p:sldIdLst>
   <p:sldSz cx="12192000" cy="6858000"/>
   <p:notesSz cx="7099300" cy="10234613"/>
   <p:custDataLst>
-    <p:tags r:id="rId14"/>
+    <p:tags r:id="rId20"/>
   </p:custDataLst>
   <p:defaultTextStyle>
     <a:defPPr>
@@ -169,6 +175,18 @@
     </p:ext>
   </p:extLst>
 </p:presentation>
+</file>
+
+<file path=ppt/commentAuthors.xml><?xml version="1.0" encoding="utf-8"?>
+<p:cmAuthorLst xmlns:a="http://schemas.openxmlformats.org/drawingml/2006/main" xmlns:r="http://schemas.openxmlformats.org/officeDocument/2006/relationships" xmlns:p="http://schemas.openxmlformats.org/presentationml/2006/main">
+  <p:cmAuthor id="1" name="Peter Mitchell" initials="PM" lastIdx="2" clrIdx="0">
+    <p:extLst>
+      <p:ext uri="{19B8F6BF-5375-455C-9EA6-DF929625EA0E}">
+        <p15:presenceInfo xmlns:p15="http://schemas.microsoft.com/office/powerpoint/2012/main" userId="e36912bf1e1ef89e" providerId="Windows Live"/>
+      </p:ext>
+    </p:extLst>
+  </p:cmAuthor>
+</p:cmAuthorLst>
 </file>
 
 <file path=ppt/handoutMasters/handoutMaster1.xml><?xml version="1.0" encoding="utf-8"?>
@@ -11800,6 +11818,133 @@
 </p:sld>
 </file>
 
+<file path=ppt/slides/slide10.xml><?xml version="1.0" encoding="utf-8"?>
+<p:sld xmlns:a="http://schemas.openxmlformats.org/drawingml/2006/main" xmlns:r="http://schemas.openxmlformats.org/officeDocument/2006/relationships" xmlns:p="http://schemas.openxmlformats.org/presentationml/2006/main">
+  <p:cSld>
+    <p:spTree>
+      <p:nvGrpSpPr>
+        <p:cNvPr id="1" name=""/>
+        <p:cNvGrpSpPr/>
+        <p:nvPr/>
+      </p:nvGrpSpPr>
+      <p:grpSpPr>
+        <a:xfrm>
+          <a:off x="0" y="0"/>
+          <a:ext cx="0" cy="0"/>
+          <a:chOff x="0" y="0"/>
+          <a:chExt cx="0" cy="0"/>
+        </a:xfrm>
+      </p:grpSpPr>
+      <p:sp>
+        <p:nvSpPr>
+          <p:cNvPr id="4" name="Title 3">
+            <a:extLst>
+              <a:ext uri="{FF2B5EF4-FFF2-40B4-BE49-F238E27FC236}">
+                <a16:creationId xmlns:a16="http://schemas.microsoft.com/office/drawing/2014/main" id="{37894DF7-AEDE-4601-803D-89D4036E6A3E}"/>
+              </a:ext>
+            </a:extLst>
+          </p:cNvPr>
+          <p:cNvSpPr>
+            <a:spLocks noGrp="1"/>
+          </p:cNvSpPr>
+          <p:nvPr>
+            <p:ph type="title"/>
+          </p:nvPr>
+        </p:nvSpPr>
+        <p:spPr/>
+        <p:txBody>
+          <a:bodyPr/>
+          <a:lstStyle/>
+          <a:p>
+            <a:r>
+              <a:rPr lang="en-US" dirty="0"/>
+              <a:t>Final Pass Conversion from all 1s to 2s/1s</a:t>
+            </a:r>
+          </a:p>
+        </p:txBody>
+      </p:sp>
+      <p:pic>
+        <p:nvPicPr>
+          <p:cNvPr id="6" name="Picture 5" descr="A screenshot of a computer game&#10;&#10;Description automatically generated with medium confidence">
+            <a:extLst>
+              <a:ext uri="{FF2B5EF4-FFF2-40B4-BE49-F238E27FC236}">
+                <a16:creationId xmlns:a16="http://schemas.microsoft.com/office/drawing/2014/main" id="{4DA789A6-55A5-4CFA-BD07-C697B5AECD97}"/>
+              </a:ext>
+            </a:extLst>
+          </p:cNvPr>
+          <p:cNvPicPr>
+            <a:picLocks noChangeAspect="1"/>
+          </p:cNvPicPr>
+          <p:nvPr/>
+        </p:nvPicPr>
+        <p:blipFill>
+          <a:blip r:embed="rId2"/>
+          <a:stretch>
+            <a:fillRect/>
+          </a:stretch>
+        </p:blipFill>
+        <p:spPr>
+          <a:xfrm>
+            <a:off x="838200" y="2133600"/>
+            <a:ext cx="10401300" cy="3295650"/>
+          </a:xfrm>
+          <a:prstGeom prst="rect">
+            <a:avLst/>
+          </a:prstGeom>
+        </p:spPr>
+      </p:pic>
+      <p:sp>
+        <p:nvSpPr>
+          <p:cNvPr id="7" name="TextBox 6">
+            <a:extLst>
+              <a:ext uri="{FF2B5EF4-FFF2-40B4-BE49-F238E27FC236}">
+                <a16:creationId xmlns:a16="http://schemas.microsoft.com/office/drawing/2014/main" id="{B47EE874-5337-4662-8959-BA849058F2B0}"/>
+              </a:ext>
+            </a:extLst>
+          </p:cNvPr>
+          <p:cNvSpPr txBox="1"/>
+          <p:nvPr/>
+        </p:nvSpPr>
+        <p:spPr>
+          <a:xfrm>
+            <a:off x="849824" y="1213306"/>
+            <a:ext cx="9861289" cy="430887"/>
+          </a:xfrm>
+          <a:prstGeom prst="rect">
+            <a:avLst/>
+          </a:prstGeom>
+          <a:noFill/>
+        </p:spPr>
+        <p:txBody>
+          <a:bodyPr wrap="none" rtlCol="0">
+            <a:spAutoFit/>
+          </a:bodyPr>
+          <a:lstStyle/>
+          <a:p>
+            <a:pPr marL="342900" indent="-342900">
+              <a:buFont typeface="Arial" panose="020B0604020202020204" pitchFamily="34" charset="0"/>
+              <a:buChar char="•"/>
+            </a:pPr>
+            <a:r>
+              <a:rPr lang="en-US" dirty="0"/>
+              <a:t>A search over all 1s is performed to change any to a 2 where they are the top layer.</a:t>
+            </a:r>
+          </a:p>
+        </p:txBody>
+      </p:sp>
+    </p:spTree>
+    <p:extLst>
+      <p:ext uri="{BB962C8B-B14F-4D97-AF65-F5344CB8AC3E}">
+        <p14:creationId xmlns:p14="http://schemas.microsoft.com/office/powerpoint/2010/main" val="3816903112"/>
+      </p:ext>
+    </p:extLst>
+  </p:cSld>
+  <p:clrMapOvr>
+    <a:masterClrMapping/>
+  </p:clrMapOvr>
+</p:sld>
+</file>
+
 <file path=ppt/slides/slide2.xml><?xml version="1.0" encoding="utf-8"?>
 <p:sld xmlns:a="http://schemas.openxmlformats.org/drawingml/2006/main" xmlns:r="http://schemas.openxmlformats.org/officeDocument/2006/relationships" xmlns:p="http://schemas.openxmlformats.org/presentationml/2006/main">
   <p:cSld>
@@ -11909,6 +12054,22 @@
             <a:r>
               <a:rPr lang="en-AU" altLang="en-US" dirty="0"/>
               <a:t>Using 2D Colliders, Tags, Sorting Layers, and Sprite Animation</a:t>
+            </a:r>
+          </a:p>
+          <a:p>
+            <a:endParaRPr lang="en-AU" altLang="en-US" dirty="0"/>
+          </a:p>
+          <a:p>
+            <a:r>
+              <a:rPr lang="en-AU" altLang="en-US" dirty="0"/>
+              <a:t>Extras: Procedural Platformer, GitHub with Unity, </a:t>
+            </a:r>
+            <a:br>
+              <a:rPr lang="en-AU" altLang="en-US" dirty="0"/>
+            </a:br>
+            <a:r>
+              <a:rPr lang="en-AU" altLang="en-US" dirty="0"/>
+              <a:t>Debugging with Unity.</a:t>
             </a:r>
           </a:p>
           <a:p>
@@ -12408,6 +12569,907 @@
     <p:extLst>
       <p:ext uri="{BB962C8B-B14F-4D97-AF65-F5344CB8AC3E}">
         <p14:creationId xmlns:p14="http://schemas.microsoft.com/office/powerpoint/2010/main" val="2421159816"/>
+      </p:ext>
+    </p:extLst>
+  </p:cSld>
+  <p:clrMapOvr>
+    <a:masterClrMapping/>
+  </p:clrMapOvr>
+</p:sld>
+</file>
+
+<file path=ppt/slides/slide5.xml><?xml version="1.0" encoding="utf-8"?>
+<p:sld xmlns:a="http://schemas.openxmlformats.org/drawingml/2006/main" xmlns:r="http://schemas.openxmlformats.org/officeDocument/2006/relationships" xmlns:p="http://schemas.openxmlformats.org/presentationml/2006/main">
+  <p:cSld>
+    <p:spTree>
+      <p:nvGrpSpPr>
+        <p:cNvPr id="1" name=""/>
+        <p:cNvGrpSpPr/>
+        <p:nvPr/>
+      </p:nvGrpSpPr>
+      <p:grpSpPr>
+        <a:xfrm>
+          <a:off x="0" y="0"/>
+          <a:ext cx="0" cy="0"/>
+          <a:chOff x="0" y="0"/>
+          <a:chExt cx="0" cy="0"/>
+        </a:xfrm>
+      </p:grpSpPr>
+      <p:sp>
+        <p:nvSpPr>
+          <p:cNvPr id="5" name="Content Placeholder 1">
+            <a:extLst>
+              <a:ext uri="{FF2B5EF4-FFF2-40B4-BE49-F238E27FC236}">
+                <a16:creationId xmlns:a16="http://schemas.microsoft.com/office/drawing/2014/main" id="{38E44FDD-9B80-416F-AA66-A540C41FA391}"/>
+              </a:ext>
+            </a:extLst>
+          </p:cNvPr>
+          <p:cNvSpPr txBox="1">
+            <a:spLocks/>
+          </p:cNvSpPr>
+          <p:nvPr/>
+        </p:nvSpPr>
+        <p:spPr>
+          <a:xfrm>
+            <a:off x="1064684" y="1277147"/>
+            <a:ext cx="10136716" cy="4176463"/>
+          </a:xfrm>
+          <a:prstGeom prst="rect">
+            <a:avLst/>
+          </a:prstGeom>
+        </p:spPr>
+        <p:txBody>
+          <a:bodyPr/>
+          <a:lstStyle>
+            <a:lvl1pPr marL="342900" indent="-342900" algn="l" defTabSz="914400" rtl="0" eaLnBrk="1" latinLnBrk="0" hangingPunct="1">
+              <a:spcBef>
+                <a:spcPct val="20000"/>
+              </a:spcBef>
+              <a:buFont typeface="Arial" panose="020B0604020202020204" pitchFamily="34" charset="0"/>
+              <a:buChar char="•"/>
+              <a:defRPr sz="2800" kern="1200">
+                <a:solidFill>
+                  <a:schemeClr val="tx1"/>
+                </a:solidFill>
+                <a:latin typeface="Arial" panose="020B0604020202020204" pitchFamily="34" charset="0"/>
+                <a:ea typeface="+mn-ea"/>
+                <a:cs typeface="Arial" panose="020B0604020202020204" pitchFamily="34" charset="0"/>
+              </a:defRPr>
+            </a:lvl1pPr>
+            <a:lvl2pPr marL="742950" indent="-285750" algn="l" defTabSz="914400" rtl="0" eaLnBrk="1" latinLnBrk="0" hangingPunct="1">
+              <a:spcBef>
+                <a:spcPct val="20000"/>
+              </a:spcBef>
+              <a:buFont typeface="Arial" panose="020B0604020202020204" pitchFamily="34" charset="0"/>
+              <a:buChar char="–"/>
+              <a:defRPr sz="2800" kern="1200">
+                <a:solidFill>
+                  <a:schemeClr val="tx1"/>
+                </a:solidFill>
+                <a:latin typeface="+mn-lt"/>
+                <a:ea typeface="+mn-ea"/>
+                <a:cs typeface="+mn-cs"/>
+              </a:defRPr>
+            </a:lvl2pPr>
+            <a:lvl3pPr marL="1143000" indent="-228600" algn="l" defTabSz="914400" rtl="0" eaLnBrk="1" latinLnBrk="0" hangingPunct="1">
+              <a:spcBef>
+                <a:spcPct val="20000"/>
+              </a:spcBef>
+              <a:buFont typeface="Arial" panose="020B0604020202020204" pitchFamily="34" charset="0"/>
+              <a:buChar char="•"/>
+              <a:defRPr sz="2400" kern="1200">
+                <a:solidFill>
+                  <a:schemeClr val="tx1"/>
+                </a:solidFill>
+                <a:latin typeface="+mn-lt"/>
+                <a:ea typeface="+mn-ea"/>
+                <a:cs typeface="+mn-cs"/>
+              </a:defRPr>
+            </a:lvl3pPr>
+            <a:lvl4pPr marL="1600200" indent="-228600" algn="l" defTabSz="914400" rtl="0" eaLnBrk="1" latinLnBrk="0" hangingPunct="1">
+              <a:spcBef>
+                <a:spcPct val="20000"/>
+              </a:spcBef>
+              <a:buFont typeface="Arial" panose="020B0604020202020204" pitchFamily="34" charset="0"/>
+              <a:buChar char="–"/>
+              <a:defRPr sz="2000" kern="1200">
+                <a:solidFill>
+                  <a:schemeClr val="tx1"/>
+                </a:solidFill>
+                <a:latin typeface="+mn-lt"/>
+                <a:ea typeface="+mn-ea"/>
+                <a:cs typeface="+mn-cs"/>
+              </a:defRPr>
+            </a:lvl4pPr>
+            <a:lvl5pPr marL="2057400" indent="-228600" algn="l" defTabSz="914400" rtl="0" eaLnBrk="1" latinLnBrk="0" hangingPunct="1">
+              <a:spcBef>
+                <a:spcPct val="20000"/>
+              </a:spcBef>
+              <a:buFont typeface="Arial" panose="020B0604020202020204" pitchFamily="34" charset="0"/>
+              <a:buChar char="»"/>
+              <a:defRPr sz="2000" kern="1200">
+                <a:solidFill>
+                  <a:schemeClr val="tx1"/>
+                </a:solidFill>
+                <a:latin typeface="+mn-lt"/>
+                <a:ea typeface="+mn-ea"/>
+                <a:cs typeface="+mn-cs"/>
+              </a:defRPr>
+            </a:lvl5pPr>
+            <a:lvl6pPr marL="2514600" indent="-228600" algn="l" defTabSz="914400" rtl="0" eaLnBrk="1" latinLnBrk="0" hangingPunct="1">
+              <a:spcBef>
+                <a:spcPct val="20000"/>
+              </a:spcBef>
+              <a:buFont typeface="Arial" panose="020B0604020202020204" pitchFamily="34" charset="0"/>
+              <a:buChar char="•"/>
+              <a:defRPr sz="2000" kern="1200">
+                <a:solidFill>
+                  <a:schemeClr val="tx1"/>
+                </a:solidFill>
+                <a:latin typeface="+mn-lt"/>
+                <a:ea typeface="+mn-ea"/>
+                <a:cs typeface="+mn-cs"/>
+              </a:defRPr>
+            </a:lvl6pPr>
+            <a:lvl7pPr marL="2971800" indent="-228600" algn="l" defTabSz="914400" rtl="0" eaLnBrk="1" latinLnBrk="0" hangingPunct="1">
+              <a:spcBef>
+                <a:spcPct val="20000"/>
+              </a:spcBef>
+              <a:buFont typeface="Arial" panose="020B0604020202020204" pitchFamily="34" charset="0"/>
+              <a:buChar char="•"/>
+              <a:defRPr sz="2000" kern="1200">
+                <a:solidFill>
+                  <a:schemeClr val="tx1"/>
+                </a:solidFill>
+                <a:latin typeface="+mn-lt"/>
+                <a:ea typeface="+mn-ea"/>
+                <a:cs typeface="+mn-cs"/>
+              </a:defRPr>
+            </a:lvl7pPr>
+            <a:lvl8pPr marL="3429000" indent="-228600" algn="l" defTabSz="914400" rtl="0" eaLnBrk="1" latinLnBrk="0" hangingPunct="1">
+              <a:spcBef>
+                <a:spcPct val="20000"/>
+              </a:spcBef>
+              <a:buFont typeface="Arial" panose="020B0604020202020204" pitchFamily="34" charset="0"/>
+              <a:buChar char="•"/>
+              <a:defRPr sz="2000" kern="1200">
+                <a:solidFill>
+                  <a:schemeClr val="tx1"/>
+                </a:solidFill>
+                <a:latin typeface="+mn-lt"/>
+                <a:ea typeface="+mn-ea"/>
+                <a:cs typeface="+mn-cs"/>
+              </a:defRPr>
+            </a:lvl8pPr>
+            <a:lvl9pPr marL="3886200" indent="-228600" algn="l" defTabSz="914400" rtl="0" eaLnBrk="1" latinLnBrk="0" hangingPunct="1">
+              <a:spcBef>
+                <a:spcPct val="20000"/>
+              </a:spcBef>
+              <a:buFont typeface="Arial" panose="020B0604020202020204" pitchFamily="34" charset="0"/>
+              <a:buChar char="•"/>
+              <a:defRPr sz="2000" kern="1200">
+                <a:solidFill>
+                  <a:schemeClr val="tx1"/>
+                </a:solidFill>
+                <a:latin typeface="+mn-lt"/>
+                <a:ea typeface="+mn-ea"/>
+                <a:cs typeface="+mn-cs"/>
+              </a:defRPr>
+            </a:lvl9pPr>
+          </a:lstStyle>
+          <a:p>
+            <a:pPr marL="514350" indent="-514350" fontAlgn="auto">
+              <a:spcAft>
+                <a:spcPts val="0"/>
+              </a:spcAft>
+              <a:buFont typeface="+mj-lt"/>
+              <a:buAutoNum type="arabicPeriod"/>
+            </a:pPr>
+            <a:r>
+              <a:rPr lang="en-US"/>
+              <a:t>Populate Rooms</a:t>
+            </a:r>
+          </a:p>
+          <a:p>
+            <a:pPr marL="514350" indent="-514350" fontAlgn="auto">
+              <a:spcAft>
+                <a:spcPts val="0"/>
+              </a:spcAft>
+              <a:buFont typeface="+mj-lt"/>
+              <a:buAutoNum type="arabicPeriod"/>
+            </a:pPr>
+            <a:r>
+              <a:rPr lang="en-US"/>
+              <a:t>Create Base Map (Room/Level Boundaries)</a:t>
+            </a:r>
+          </a:p>
+          <a:p>
+            <a:pPr marL="514350" indent="-514350" fontAlgn="auto">
+              <a:spcAft>
+                <a:spcPts val="0"/>
+              </a:spcAft>
+              <a:buFont typeface="+mj-lt"/>
+              <a:buAutoNum type="arabicPeriod"/>
+            </a:pPr>
+            <a:r>
+              <a:rPr lang="en-US"/>
+              <a:t>Create Solution Path</a:t>
+            </a:r>
+          </a:p>
+          <a:p>
+            <a:pPr marL="514350" indent="-514350" fontAlgn="auto">
+              <a:spcAft>
+                <a:spcPts val="0"/>
+              </a:spcAft>
+              <a:buFont typeface="+mj-lt"/>
+              <a:buAutoNum type="arabicPeriod"/>
+            </a:pPr>
+            <a:r>
+              <a:rPr lang="en-US"/>
+              <a:t>Create Extra Platforms (not implemented)</a:t>
+            </a:r>
+          </a:p>
+          <a:p>
+            <a:pPr marL="514350" indent="-514350" fontAlgn="auto">
+              <a:spcAft>
+                <a:spcPts val="0"/>
+              </a:spcAft>
+              <a:buFont typeface="+mj-lt"/>
+              <a:buAutoNum type="arabicPeriod"/>
+            </a:pPr>
+            <a:r>
+              <a:rPr lang="en-US"/>
+              <a:t>Spawn Platforms</a:t>
+            </a:r>
+          </a:p>
+          <a:p>
+            <a:pPr marL="514350" indent="-514350" fontAlgn="auto">
+              <a:spcAft>
+                <a:spcPts val="0"/>
+              </a:spcAft>
+              <a:buFont typeface="+mj-lt"/>
+              <a:buAutoNum type="arabicPeriod"/>
+            </a:pPr>
+            <a:r>
+              <a:rPr lang="en-US"/>
+              <a:t>Spawn Objects</a:t>
+            </a:r>
+          </a:p>
+          <a:p>
+            <a:pPr marL="514350" indent="-514350" fontAlgn="auto">
+              <a:spcAft>
+                <a:spcPts val="0"/>
+              </a:spcAft>
+              <a:buFont typeface="+mj-lt"/>
+              <a:buAutoNum type="arabicPeriod"/>
+            </a:pPr>
+            <a:r>
+              <a:rPr lang="en-US"/>
+              <a:t>Determine Player Start Location</a:t>
+            </a:r>
+            <a:endParaRPr lang="en-US" dirty="0"/>
+          </a:p>
+        </p:txBody>
+      </p:sp>
+      <p:sp>
+        <p:nvSpPr>
+          <p:cNvPr id="6" name="Title 3">
+            <a:extLst>
+              <a:ext uri="{FF2B5EF4-FFF2-40B4-BE49-F238E27FC236}">
+                <a16:creationId xmlns:a16="http://schemas.microsoft.com/office/drawing/2014/main" id="{8670BF98-5021-4635-A814-04E6C75D9A8E}"/>
+              </a:ext>
+            </a:extLst>
+          </p:cNvPr>
+          <p:cNvSpPr txBox="1">
+            <a:spLocks/>
+          </p:cNvSpPr>
+          <p:nvPr/>
+        </p:nvSpPr>
+        <p:spPr>
+          <a:xfrm>
+            <a:off x="1064684" y="341314"/>
+            <a:ext cx="10363200" cy="791816"/>
+          </a:xfrm>
+          <a:prstGeom prst="rect">
+            <a:avLst/>
+          </a:prstGeom>
+        </p:spPr>
+        <p:txBody>
+          <a:bodyPr/>
+          <a:lstStyle>
+            <a:lvl1pPr algn="l" defTabSz="914400" rtl="0" eaLnBrk="1" latinLnBrk="0" hangingPunct="1">
+              <a:spcBef>
+                <a:spcPct val="0"/>
+              </a:spcBef>
+              <a:buNone/>
+              <a:defRPr sz="3600" b="1" kern="1200">
+                <a:solidFill>
+                  <a:schemeClr val="tx1"/>
+                </a:solidFill>
+                <a:latin typeface="Arial" panose="020B0604020202020204" pitchFamily="34" charset="0"/>
+                <a:ea typeface="+mj-ea"/>
+                <a:cs typeface="Arial" panose="020B0604020202020204" pitchFamily="34" charset="0"/>
+              </a:defRPr>
+            </a:lvl1pPr>
+          </a:lstStyle>
+          <a:p>
+            <a:pPr fontAlgn="auto">
+              <a:spcAft>
+                <a:spcPts val="0"/>
+              </a:spcAft>
+            </a:pPr>
+            <a:r>
+              <a:rPr lang="en-US" dirty="0"/>
+              <a:t>Platformer Procedural Generation</a:t>
+            </a:r>
+          </a:p>
+        </p:txBody>
+      </p:sp>
+    </p:spTree>
+    <p:extLst>
+      <p:ext uri="{BB962C8B-B14F-4D97-AF65-F5344CB8AC3E}">
+        <p14:creationId xmlns:p14="http://schemas.microsoft.com/office/powerpoint/2010/main" val="3402996714"/>
+      </p:ext>
+    </p:extLst>
+  </p:cSld>
+  <p:clrMapOvr>
+    <a:masterClrMapping/>
+  </p:clrMapOvr>
+</p:sld>
+</file>
+
+<file path=ppt/slides/slide6.xml><?xml version="1.0" encoding="utf-8"?>
+<p:sld xmlns:a="http://schemas.openxmlformats.org/drawingml/2006/main" xmlns:r="http://schemas.openxmlformats.org/officeDocument/2006/relationships" xmlns:p="http://schemas.openxmlformats.org/presentationml/2006/main">
+  <p:cSld>
+    <p:spTree>
+      <p:nvGrpSpPr>
+        <p:cNvPr id="1" name=""/>
+        <p:cNvGrpSpPr/>
+        <p:nvPr/>
+      </p:nvGrpSpPr>
+      <p:grpSpPr>
+        <a:xfrm>
+          <a:off x="0" y="0"/>
+          <a:ext cx="0" cy="0"/>
+          <a:chOff x="0" y="0"/>
+          <a:chExt cx="0" cy="0"/>
+        </a:xfrm>
+      </p:grpSpPr>
+      <p:pic>
+        <p:nvPicPr>
+          <p:cNvPr id="5" name="Content Placeholder 5" descr="A picture containing shoji, text, crossword puzzle, building&#10;&#10;Description automatically generated">
+            <a:extLst>
+              <a:ext uri="{FF2B5EF4-FFF2-40B4-BE49-F238E27FC236}">
+                <a16:creationId xmlns:a16="http://schemas.microsoft.com/office/drawing/2014/main" id="{88EC4B4C-CD37-4BC4-875D-440346B908E5}"/>
+              </a:ext>
+            </a:extLst>
+          </p:cNvPr>
+          <p:cNvPicPr>
+            <a:picLocks noChangeAspect="1"/>
+          </p:cNvPicPr>
+          <p:nvPr/>
+        </p:nvPicPr>
+        <p:blipFill>
+          <a:blip r:embed="rId2">
+            <a:extLst>
+              <a:ext uri="{28A0092B-C50C-407E-A947-70E740481C1C}">
+                <a14:useLocalDpi xmlns:a14="http://schemas.microsoft.com/office/drawing/2010/main" val="0"/>
+              </a:ext>
+            </a:extLst>
+          </a:blip>
+          <a:stretch>
+            <a:fillRect/>
+          </a:stretch>
+        </p:blipFill>
+        <p:spPr>
+          <a:xfrm>
+            <a:off x="609600" y="1600200"/>
+            <a:ext cx="4980237" cy="3109091"/>
+          </a:xfrm>
+          <a:prstGeom prst="rect">
+            <a:avLst/>
+          </a:prstGeom>
+        </p:spPr>
+      </p:pic>
+      <p:sp>
+        <p:nvSpPr>
+          <p:cNvPr id="6" name="Title 3">
+            <a:extLst>
+              <a:ext uri="{FF2B5EF4-FFF2-40B4-BE49-F238E27FC236}">
+                <a16:creationId xmlns:a16="http://schemas.microsoft.com/office/drawing/2014/main" id="{9831EA22-0B73-4BF5-A731-484A788701C4}"/>
+              </a:ext>
+            </a:extLst>
+          </p:cNvPr>
+          <p:cNvSpPr>
+            <a:spLocks noGrp="1"/>
+          </p:cNvSpPr>
+          <p:nvPr>
+            <p:ph type="title"/>
+          </p:nvPr>
+        </p:nvSpPr>
+        <p:spPr>
+          <a:xfrm>
+            <a:off x="587415" y="341314"/>
+            <a:ext cx="10363200" cy="791816"/>
+          </a:xfrm>
+        </p:spPr>
+        <p:txBody>
+          <a:bodyPr/>
+          <a:lstStyle/>
+          <a:p>
+            <a:r>
+              <a:rPr lang="en-US" dirty="0"/>
+              <a:t>Platformer Level Layout</a:t>
+            </a:r>
+          </a:p>
+        </p:txBody>
+      </p:sp>
+      <p:pic>
+        <p:nvPicPr>
+          <p:cNvPr id="7" name="Picture 6" descr="A picture containing sky&#10;&#10;Description automatically generated">
+            <a:extLst>
+              <a:ext uri="{FF2B5EF4-FFF2-40B4-BE49-F238E27FC236}">
+                <a16:creationId xmlns:a16="http://schemas.microsoft.com/office/drawing/2014/main" id="{6389795F-AD7B-4F3B-9E0C-707038D0F36F}"/>
+              </a:ext>
+            </a:extLst>
+          </p:cNvPr>
+          <p:cNvPicPr>
+            <a:picLocks noChangeAspect="1"/>
+          </p:cNvPicPr>
+          <p:nvPr/>
+        </p:nvPicPr>
+        <p:blipFill>
+          <a:blip r:embed="rId3">
+            <a:extLst>
+              <a:ext uri="{28A0092B-C50C-407E-A947-70E740481C1C}">
+                <a14:useLocalDpi xmlns:a14="http://schemas.microsoft.com/office/drawing/2010/main" val="0"/>
+              </a:ext>
+            </a:extLst>
+          </a:blip>
+          <a:stretch>
+            <a:fillRect/>
+          </a:stretch>
+        </p:blipFill>
+        <p:spPr>
+          <a:xfrm>
+            <a:off x="5969393" y="1579329"/>
+            <a:ext cx="4981222" cy="3109706"/>
+          </a:xfrm>
+          <a:prstGeom prst="rect">
+            <a:avLst/>
+          </a:prstGeom>
+        </p:spPr>
+      </p:pic>
+    </p:spTree>
+    <p:extLst>
+      <p:ext uri="{BB962C8B-B14F-4D97-AF65-F5344CB8AC3E}">
+        <p14:creationId xmlns:p14="http://schemas.microsoft.com/office/powerpoint/2010/main" val="1666306554"/>
+      </p:ext>
+    </p:extLst>
+  </p:cSld>
+  <p:clrMapOvr>
+    <a:masterClrMapping/>
+  </p:clrMapOvr>
+</p:sld>
+</file>
+
+<file path=ppt/slides/slide7.xml><?xml version="1.0" encoding="utf-8"?>
+<p:sld xmlns:a="http://schemas.openxmlformats.org/drawingml/2006/main" xmlns:r="http://schemas.openxmlformats.org/officeDocument/2006/relationships" xmlns:p="http://schemas.openxmlformats.org/presentationml/2006/main">
+  <p:cSld>
+    <p:spTree>
+      <p:nvGrpSpPr>
+        <p:cNvPr id="1" name=""/>
+        <p:cNvGrpSpPr/>
+        <p:nvPr/>
+      </p:nvGrpSpPr>
+      <p:grpSpPr>
+        <a:xfrm>
+          <a:off x="0" y="0"/>
+          <a:ext cx="0" cy="0"/>
+          <a:chOff x="0" y="0"/>
+          <a:chExt cx="0" cy="0"/>
+        </a:xfrm>
+      </p:grpSpPr>
+      <p:sp>
+        <p:nvSpPr>
+          <p:cNvPr id="4" name="Title 3">
+            <a:extLst>
+              <a:ext uri="{FF2B5EF4-FFF2-40B4-BE49-F238E27FC236}">
+                <a16:creationId xmlns:a16="http://schemas.microsoft.com/office/drawing/2014/main" id="{2117E7BD-2A35-4948-91B6-335CC16F3AB2}"/>
+              </a:ext>
+            </a:extLst>
+          </p:cNvPr>
+          <p:cNvSpPr>
+            <a:spLocks noGrp="1"/>
+          </p:cNvSpPr>
+          <p:nvPr>
+            <p:ph type="title"/>
+          </p:nvPr>
+        </p:nvSpPr>
+        <p:spPr/>
+        <p:txBody>
+          <a:bodyPr/>
+          <a:lstStyle/>
+          <a:p>
+            <a:r>
+              <a:rPr lang="en-US" dirty="0"/>
+              <a:t>Goal to End Path Sequence Grid Generation</a:t>
+            </a:r>
+          </a:p>
+        </p:txBody>
+      </p:sp>
+      <p:pic>
+        <p:nvPicPr>
+          <p:cNvPr id="8" name="Picture 7" descr="Table&#10;&#10;Description automatically generated">
+            <a:extLst>
+              <a:ext uri="{FF2B5EF4-FFF2-40B4-BE49-F238E27FC236}">
+                <a16:creationId xmlns:a16="http://schemas.microsoft.com/office/drawing/2014/main" id="{E52CE5DF-B83A-4203-80A9-FCFBD4298521}"/>
+              </a:ext>
+            </a:extLst>
+          </p:cNvPr>
+          <p:cNvPicPr>
+            <a:picLocks noChangeAspect="1"/>
+          </p:cNvPicPr>
+          <p:nvPr/>
+        </p:nvPicPr>
+        <p:blipFill>
+          <a:blip r:embed="rId2"/>
+          <a:stretch>
+            <a:fillRect/>
+          </a:stretch>
+        </p:blipFill>
+        <p:spPr>
+          <a:xfrm>
+            <a:off x="5791200" y="1233315"/>
+            <a:ext cx="4467225" cy="1409700"/>
+          </a:xfrm>
+          <a:prstGeom prst="rect">
+            <a:avLst/>
+          </a:prstGeom>
+        </p:spPr>
+      </p:pic>
+      <p:pic>
+        <p:nvPicPr>
+          <p:cNvPr id="10" name="Picture 9" descr="A picture containing table&#10;&#10;Description automatically generated">
+            <a:extLst>
+              <a:ext uri="{FF2B5EF4-FFF2-40B4-BE49-F238E27FC236}">
+                <a16:creationId xmlns:a16="http://schemas.microsoft.com/office/drawing/2014/main" id="{D6B23D05-1D27-4A98-883F-9F58287DB8F5}"/>
+              </a:ext>
+            </a:extLst>
+          </p:cNvPr>
+          <p:cNvPicPr>
+            <a:picLocks noChangeAspect="1"/>
+          </p:cNvPicPr>
+          <p:nvPr/>
+        </p:nvPicPr>
+        <p:blipFill>
+          <a:blip r:embed="rId3"/>
+          <a:stretch>
+            <a:fillRect/>
+          </a:stretch>
+        </p:blipFill>
+        <p:spPr>
+          <a:xfrm>
+            <a:off x="916158" y="2895600"/>
+            <a:ext cx="9112779" cy="2874222"/>
+          </a:xfrm>
+          <a:prstGeom prst="rect">
+            <a:avLst/>
+          </a:prstGeom>
+        </p:spPr>
+      </p:pic>
+      <p:sp>
+        <p:nvSpPr>
+          <p:cNvPr id="11" name="TextBox 10">
+            <a:extLst>
+              <a:ext uri="{FF2B5EF4-FFF2-40B4-BE49-F238E27FC236}">
+                <a16:creationId xmlns:a16="http://schemas.microsoft.com/office/drawing/2014/main" id="{756741E2-1DBA-47CB-B10B-2A7DD99701E5}"/>
+              </a:ext>
+            </a:extLst>
+          </p:cNvPr>
+          <p:cNvSpPr txBox="1"/>
+          <p:nvPr/>
+        </p:nvSpPr>
+        <p:spPr>
+          <a:xfrm>
+            <a:off x="990600" y="1088178"/>
+            <a:ext cx="4572000" cy="1446550"/>
+          </a:xfrm>
+          <a:prstGeom prst="rect">
+            <a:avLst/>
+          </a:prstGeom>
+          <a:noFill/>
+        </p:spPr>
+        <p:txBody>
+          <a:bodyPr wrap="square" rtlCol="0">
+            <a:spAutoFit/>
+          </a:bodyPr>
+          <a:lstStyle/>
+          <a:p>
+            <a:pPr marL="342900" indent="-342900">
+              <a:buFont typeface="Arial" panose="020B0604020202020204" pitchFamily="34" charset="0"/>
+              <a:buChar char="•"/>
+            </a:pPr>
+            <a:r>
+              <a:rPr lang="en-US" dirty="0"/>
+              <a:t>(1,1) to (3,2) over 12 rooms total.</a:t>
+            </a:r>
+          </a:p>
+          <a:p>
+            <a:pPr marL="342900" indent="-342900">
+              <a:buFont typeface="Arial" panose="020B0604020202020204" pitchFamily="34" charset="0"/>
+              <a:buChar char="•"/>
+            </a:pPr>
+            <a:r>
+              <a:rPr lang="en-US" dirty="0"/>
+              <a:t>Initial Path (right).</a:t>
+            </a:r>
+          </a:p>
+          <a:p>
+            <a:pPr marL="342900" indent="-342900">
+              <a:buFont typeface="Arial" panose="020B0604020202020204" pitchFamily="34" charset="0"/>
+              <a:buChar char="•"/>
+            </a:pPr>
+            <a:r>
+              <a:rPr lang="en-US" dirty="0"/>
+              <a:t>Expanded grid with 4x4 for each cell. (below)</a:t>
+            </a:r>
+          </a:p>
+        </p:txBody>
+      </p:sp>
+    </p:spTree>
+    <p:extLst>
+      <p:ext uri="{BB962C8B-B14F-4D97-AF65-F5344CB8AC3E}">
+        <p14:creationId xmlns:p14="http://schemas.microsoft.com/office/powerpoint/2010/main" val="3980536449"/>
+      </p:ext>
+    </p:extLst>
+  </p:cSld>
+  <p:clrMapOvr>
+    <a:masterClrMapping/>
+  </p:clrMapOvr>
+</p:sld>
+</file>
+
+<file path=ppt/slides/slide8.xml><?xml version="1.0" encoding="utf-8"?>
+<p:sld xmlns:a="http://schemas.openxmlformats.org/drawingml/2006/main" xmlns:r="http://schemas.openxmlformats.org/officeDocument/2006/relationships" xmlns:p="http://schemas.openxmlformats.org/presentationml/2006/main">
+  <p:cSld>
+    <p:spTree>
+      <p:nvGrpSpPr>
+        <p:cNvPr id="1" name=""/>
+        <p:cNvGrpSpPr/>
+        <p:nvPr/>
+      </p:nvGrpSpPr>
+      <p:grpSpPr>
+        <a:xfrm>
+          <a:off x="0" y="0"/>
+          <a:ext cx="0" cy="0"/>
+          <a:chOff x="0" y="0"/>
+          <a:chExt cx="0" cy="0"/>
+        </a:xfrm>
+      </p:grpSpPr>
+      <p:sp>
+        <p:nvSpPr>
+          <p:cNvPr id="4" name="Title 3">
+            <a:extLst>
+              <a:ext uri="{FF2B5EF4-FFF2-40B4-BE49-F238E27FC236}">
+                <a16:creationId xmlns:a16="http://schemas.microsoft.com/office/drawing/2014/main" id="{50C28B28-43A8-47F1-8A0C-5CC72171550D}"/>
+              </a:ext>
+            </a:extLst>
+          </p:cNvPr>
+          <p:cNvSpPr>
+            <a:spLocks noGrp="1"/>
+          </p:cNvSpPr>
+          <p:nvPr>
+            <p:ph type="title"/>
+          </p:nvPr>
+        </p:nvSpPr>
+        <p:spPr/>
+        <p:txBody>
+          <a:bodyPr/>
+          <a:lstStyle/>
+          <a:p>
+            <a:r>
+              <a:rPr lang="en-US" dirty="0"/>
+              <a:t>Border walls on Rooms</a:t>
+            </a:r>
+          </a:p>
+        </p:txBody>
+      </p:sp>
+      <p:pic>
+        <p:nvPicPr>
+          <p:cNvPr id="6" name="Picture 5" descr="A picture containing shoji, building&#10;&#10;Description automatically generated">
+            <a:extLst>
+              <a:ext uri="{FF2B5EF4-FFF2-40B4-BE49-F238E27FC236}">
+                <a16:creationId xmlns:a16="http://schemas.microsoft.com/office/drawing/2014/main" id="{DC8F796F-C67C-487F-B25A-7C842B887BB6}"/>
+              </a:ext>
+            </a:extLst>
+          </p:cNvPr>
+          <p:cNvPicPr>
+            <a:picLocks noChangeAspect="1"/>
+          </p:cNvPicPr>
+          <p:nvPr/>
+        </p:nvPicPr>
+        <p:blipFill>
+          <a:blip r:embed="rId2"/>
+          <a:stretch>
+            <a:fillRect/>
+          </a:stretch>
+        </p:blipFill>
+        <p:spPr>
+          <a:xfrm>
+            <a:off x="912284" y="1371600"/>
+            <a:ext cx="10429875" cy="3305175"/>
+          </a:xfrm>
+          <a:prstGeom prst="rect">
+            <a:avLst/>
+          </a:prstGeom>
+        </p:spPr>
+      </p:pic>
+    </p:spTree>
+    <p:extLst>
+      <p:ext uri="{BB962C8B-B14F-4D97-AF65-F5344CB8AC3E}">
+        <p14:creationId xmlns:p14="http://schemas.microsoft.com/office/powerpoint/2010/main" val="3991965671"/>
+      </p:ext>
+    </p:extLst>
+  </p:cSld>
+  <p:clrMapOvr>
+    <a:masterClrMapping/>
+  </p:clrMapOvr>
+</p:sld>
+</file>
+
+<file path=ppt/slides/slide9.xml><?xml version="1.0" encoding="utf-8"?>
+<p:sld xmlns:a="http://schemas.openxmlformats.org/drawingml/2006/main" xmlns:r="http://schemas.openxmlformats.org/officeDocument/2006/relationships" xmlns:p="http://schemas.openxmlformats.org/presentationml/2006/main">
+  <p:cSld>
+    <p:spTree>
+      <p:nvGrpSpPr>
+        <p:cNvPr id="1" name=""/>
+        <p:cNvGrpSpPr/>
+        <p:nvPr/>
+      </p:nvGrpSpPr>
+      <p:grpSpPr>
+        <a:xfrm>
+          <a:off x="0" y="0"/>
+          <a:ext cx="0" cy="0"/>
+          <a:chOff x="0" y="0"/>
+          <a:chExt cx="0" cy="0"/>
+        </a:xfrm>
+      </p:grpSpPr>
+      <p:sp>
+        <p:nvSpPr>
+          <p:cNvPr id="4" name="Title 3">
+            <a:extLst>
+              <a:ext uri="{FF2B5EF4-FFF2-40B4-BE49-F238E27FC236}">
+                <a16:creationId xmlns:a16="http://schemas.microsoft.com/office/drawing/2014/main" id="{3D1AD67D-A7B6-427D-ADE1-4BF0B3771FDF}"/>
+              </a:ext>
+            </a:extLst>
+          </p:cNvPr>
+          <p:cNvSpPr>
+            <a:spLocks noGrp="1"/>
+          </p:cNvSpPr>
+          <p:nvPr>
+            <p:ph type="title"/>
+          </p:nvPr>
+        </p:nvSpPr>
+        <p:spPr/>
+        <p:txBody>
+          <a:bodyPr/>
+          <a:lstStyle/>
+          <a:p>
+            <a:r>
+              <a:rPr lang="en-US" dirty="0"/>
+              <a:t>Insertion of Platforms to Link Rooms</a:t>
+            </a:r>
+          </a:p>
+        </p:txBody>
+      </p:sp>
+      <p:pic>
+        <p:nvPicPr>
+          <p:cNvPr id="7" name="Picture 6" descr="A picture containing cabinet, building&#10;&#10;Description automatically generated">
+            <a:extLst>
+              <a:ext uri="{FF2B5EF4-FFF2-40B4-BE49-F238E27FC236}">
+                <a16:creationId xmlns:a16="http://schemas.microsoft.com/office/drawing/2014/main" id="{C888B796-577E-46B6-92C8-1CA22DDC2A2A}"/>
+              </a:ext>
+            </a:extLst>
+          </p:cNvPr>
+          <p:cNvPicPr>
+            <a:picLocks noChangeAspect="1"/>
+          </p:cNvPicPr>
+          <p:nvPr/>
+        </p:nvPicPr>
+        <p:blipFill>
+          <a:blip r:embed="rId2"/>
+          <a:stretch>
+            <a:fillRect/>
+          </a:stretch>
+        </p:blipFill>
+        <p:spPr>
+          <a:xfrm>
+            <a:off x="855134" y="2057400"/>
+            <a:ext cx="10420350" cy="3257550"/>
+          </a:xfrm>
+          <a:prstGeom prst="rect">
+            <a:avLst/>
+          </a:prstGeom>
+        </p:spPr>
+      </p:pic>
+      <p:sp>
+        <p:nvSpPr>
+          <p:cNvPr id="8" name="TextBox 7">
+            <a:extLst>
+              <a:ext uri="{FF2B5EF4-FFF2-40B4-BE49-F238E27FC236}">
+                <a16:creationId xmlns:a16="http://schemas.microsoft.com/office/drawing/2014/main" id="{7E76AEA9-D3E1-4E42-AFB3-D90FF42551E9}"/>
+              </a:ext>
+            </a:extLst>
+          </p:cNvPr>
+          <p:cNvSpPr txBox="1"/>
+          <p:nvPr/>
+        </p:nvSpPr>
+        <p:spPr>
+          <a:xfrm>
+            <a:off x="855134" y="1066800"/>
+            <a:ext cx="9329798" cy="769441"/>
+          </a:xfrm>
+          <a:prstGeom prst="rect">
+            <a:avLst/>
+          </a:prstGeom>
+          <a:noFill/>
+        </p:spPr>
+        <p:txBody>
+          <a:bodyPr wrap="none" rtlCol="0">
+            <a:spAutoFit/>
+          </a:bodyPr>
+          <a:lstStyle/>
+          <a:p>
+            <a:pPr marL="342900" indent="-342900">
+              <a:buFont typeface="Arial" panose="020B0604020202020204" pitchFamily="34" charset="0"/>
+              <a:buChar char="•"/>
+            </a:pPr>
+            <a:r>
+              <a:rPr lang="en-US" dirty="0"/>
+              <a:t>Platform links formed from the </a:t>
+            </a:r>
+            <a:r>
+              <a:rPr lang="en-US" dirty="0" err="1"/>
+              <a:t>centre</a:t>
+            </a:r>
+            <a:r>
+              <a:rPr lang="en-US" dirty="0"/>
+              <a:t> of each room to the </a:t>
+            </a:r>
+            <a:r>
+              <a:rPr lang="en-US" dirty="0" err="1"/>
+              <a:t>centre</a:t>
+            </a:r>
+            <a:r>
+              <a:rPr lang="en-US" dirty="0"/>
+              <a:t> of the next.</a:t>
+            </a:r>
+          </a:p>
+          <a:p>
+            <a:pPr marL="342900" indent="-342900">
+              <a:buFont typeface="Arial" panose="020B0604020202020204" pitchFamily="34" charset="0"/>
+              <a:buChar char="•"/>
+            </a:pPr>
+            <a:r>
+              <a:rPr lang="en-US" dirty="0"/>
+              <a:t>Not actually </a:t>
+            </a:r>
+            <a:r>
+              <a:rPr lang="en-US" dirty="0" err="1"/>
+              <a:t>coloured</a:t>
+            </a:r>
+            <a:r>
+              <a:rPr lang="en-US" dirty="0"/>
+              <a:t> yet. Everything is still a dirt block as a “1” at this point.</a:t>
+            </a:r>
+          </a:p>
+        </p:txBody>
+      </p:sp>
+    </p:spTree>
+    <p:extLst>
+      <p:ext uri="{BB962C8B-B14F-4D97-AF65-F5344CB8AC3E}">
+        <p14:creationId xmlns:p14="http://schemas.microsoft.com/office/powerpoint/2010/main" val="2329418997"/>
       </p:ext>
     </p:extLst>
   </p:cSld>
